--- a/XWAY-Parent/UI.pptx
+++ b/XWAY-Parent/UI.pptx
@@ -200,7 +200,7 @@
           <a:p>
             <a:fld id="{A686DB36-9841-4F47-BEE1-5F80466469E3}" type="datetimeFigureOut">
               <a:rPr lang="zh-CN" altLang="en-US" smtClean="0"/>
-              <a:t>2020/2/12</a:t>
+              <a:t>2020/12/16</a:t>
             </a:fld>
             <a:endParaRPr lang="zh-CN" altLang="en-US"/>
           </a:p>
@@ -2649,7 +2649,9 @@
           <a:lstStyle/>
           <a:p>
             <a:r>
-              <a:rPr lang="en-US" altLang="zh-CN" u="sng" dirty="0"/>
+              <a:rPr lang="en-US" altLang="zh-CN" u="sng" dirty="0">
+                <a:hlinkClick r:id="" action="ppaction://hlinkshowjump?jump=firstslide"/>
+              </a:rPr>
               <a:t>Logout</a:t>
             </a:r>
             <a:endParaRPr lang="zh-CN" altLang="en-US" u="sng" dirty="0"/>
@@ -6328,7 +6330,11 @@
           <a:bodyPr/>
           <a:lstStyle/>
           <a:p>
-            <a:endParaRPr lang="zh-CN" altLang="en-US"/>
+            <a:r>
+              <a:rPr lang="en-US" altLang="zh-CN" dirty="0"/>
+              <a:t>System</a:t>
+            </a:r>
+            <a:endParaRPr lang="zh-CN" altLang="en-US" dirty="0"/>
           </a:p>
         </p:txBody>
       </p:sp>
@@ -6353,7 +6359,11 @@
           <a:bodyPr/>
           <a:lstStyle/>
           <a:p>
-            <a:endParaRPr lang="zh-CN" altLang="en-US"/>
+            <a:r>
+              <a:rPr lang="en-US" altLang="zh-CN" dirty="0"/>
+              <a:t>Home</a:t>
+            </a:r>
+            <a:endParaRPr lang="zh-CN" altLang="en-US" dirty="0"/>
           </a:p>
         </p:txBody>
       </p:sp>
@@ -6378,7 +6388,11 @@
           <a:bodyPr/>
           <a:lstStyle/>
           <a:p>
-            <a:endParaRPr lang="zh-CN" altLang="en-US"/>
+            <a:r>
+              <a:rPr lang="en-US" altLang="zh-CN" dirty="0"/>
+              <a:t>Task</a:t>
+            </a:r>
+            <a:endParaRPr lang="zh-CN" altLang="en-US" dirty="0"/>
           </a:p>
         </p:txBody>
       </p:sp>
@@ -6458,7 +6472,11 @@
           <a:bodyPr/>
           <a:lstStyle/>
           <a:p>
-            <a:endParaRPr lang="zh-CN" altLang="en-US"/>
+            <a:r>
+              <a:rPr lang="en-US" altLang="zh-CN" dirty="0"/>
+              <a:t>System</a:t>
+            </a:r>
+            <a:endParaRPr lang="zh-CN" altLang="en-US" dirty="0"/>
           </a:p>
         </p:txBody>
       </p:sp>
@@ -6483,7 +6501,11 @@
           <a:bodyPr/>
           <a:lstStyle/>
           <a:p>
-            <a:endParaRPr lang="zh-CN" altLang="en-US"/>
+            <a:r>
+              <a:rPr lang="en-US" altLang="zh-CN" dirty="0"/>
+              <a:t>Home</a:t>
+            </a:r>
+            <a:endParaRPr lang="zh-CN" altLang="en-US" dirty="0"/>
           </a:p>
         </p:txBody>
       </p:sp>
@@ -6508,7 +6530,11 @@
           <a:bodyPr/>
           <a:lstStyle/>
           <a:p>
-            <a:endParaRPr lang="zh-CN" altLang="en-US"/>
+            <a:r>
+              <a:rPr lang="en-US" altLang="zh-CN" dirty="0"/>
+              <a:t>Task</a:t>
+            </a:r>
+            <a:endParaRPr lang="zh-CN" altLang="en-US" dirty="0"/>
           </a:p>
         </p:txBody>
       </p:sp>
@@ -7148,7 +7174,7 @@
                     <a:bodyPr/>
                     <a:lstStyle/>
                     <a:p>
-                      <a:endParaRPr lang="zh-CN" altLang="en-US"/>
+                      <a:endParaRPr lang="zh-CN" altLang="en-US" dirty="0"/>
                     </a:p>
                   </a:txBody>
                   <a:tcPr/>
@@ -7696,7 +7722,11 @@
           <a:bodyPr/>
           <a:lstStyle/>
           <a:p>
-            <a:endParaRPr lang="zh-CN" altLang="en-US"/>
+            <a:r>
+              <a:rPr lang="en-US" altLang="zh-CN" dirty="0"/>
+              <a:t>User</a:t>
+            </a:r>
+            <a:endParaRPr lang="zh-CN" altLang="en-US" dirty="0"/>
           </a:p>
         </p:txBody>
       </p:sp>
@@ -7721,7 +7751,11 @@
           <a:bodyPr/>
           <a:lstStyle/>
           <a:p>
-            <a:endParaRPr lang="zh-CN" altLang="en-US"/>
+            <a:r>
+              <a:rPr lang="en-US" altLang="zh-CN" dirty="0"/>
+              <a:t>Org</a:t>
+            </a:r>
+            <a:endParaRPr lang="zh-CN" altLang="en-US" dirty="0"/>
           </a:p>
         </p:txBody>
       </p:sp>
@@ -7771,7 +7805,11 @@
           <a:bodyPr/>
           <a:lstStyle/>
           <a:p>
-            <a:endParaRPr lang="zh-CN" altLang="en-US"/>
+            <a:r>
+              <a:rPr lang="en-US" altLang="zh-CN" dirty="0"/>
+              <a:t>Column</a:t>
+            </a:r>
+            <a:endParaRPr lang="zh-CN" altLang="en-US" dirty="0"/>
           </a:p>
         </p:txBody>
       </p:sp>
@@ -7821,7 +7859,11 @@
           <a:bodyPr/>
           <a:lstStyle/>
           <a:p>
-            <a:endParaRPr lang="zh-CN" altLang="en-US"/>
+            <a:r>
+              <a:rPr lang="en-US" altLang="zh-CN" dirty="0"/>
+              <a:t>Department</a:t>
+            </a:r>
+            <a:endParaRPr lang="zh-CN" altLang="en-US" dirty="0"/>
           </a:p>
         </p:txBody>
       </p:sp>
@@ -7846,7 +7888,11 @@
           <a:bodyPr/>
           <a:lstStyle/>
           <a:p>
-            <a:endParaRPr lang="zh-CN" altLang="en-US"/>
+            <a:r>
+              <a:rPr lang="en-US" altLang="zh-CN" dirty="0"/>
+              <a:t>Role</a:t>
+            </a:r>
+            <a:endParaRPr lang="zh-CN" altLang="en-US" dirty="0"/>
           </a:p>
         </p:txBody>
       </p:sp>
@@ -7871,7 +7917,11 @@
           <a:bodyPr/>
           <a:lstStyle/>
           <a:p>
-            <a:endParaRPr lang="zh-CN" altLang="en-US"/>
+            <a:r>
+              <a:rPr lang="en-US" altLang="zh-CN" dirty="0"/>
+              <a:t>Menu</a:t>
+            </a:r>
+            <a:endParaRPr lang="zh-CN" altLang="en-US" dirty="0"/>
           </a:p>
         </p:txBody>
       </p:sp>
@@ -7896,7 +7946,11 @@
           <a:bodyPr/>
           <a:lstStyle/>
           <a:p>
-            <a:endParaRPr lang="zh-CN" altLang="en-US"/>
+            <a:r>
+              <a:rPr lang="en-US" altLang="zh-CN" dirty="0"/>
+              <a:t>System</a:t>
+            </a:r>
+            <a:endParaRPr lang="zh-CN" altLang="en-US" dirty="0"/>
           </a:p>
         </p:txBody>
       </p:sp>
@@ -7916,12 +7970,21 @@
             <p:ph type="body" sz="quarter" idx="12"/>
           </p:nvPr>
         </p:nvSpPr>
-        <p:spPr/>
+        <p:spPr>
+          <a:xfrm>
+            <a:off x="480013" y="716308"/>
+            <a:ext cx="998930" cy="332723"/>
+          </a:xfrm>
+        </p:spPr>
         <p:txBody>
           <a:bodyPr/>
           <a:lstStyle/>
           <a:p>
-            <a:endParaRPr lang="zh-CN" altLang="en-US"/>
+            <a:r>
+              <a:rPr lang="en-US" altLang="zh-CN" dirty="0"/>
+              <a:t>Home</a:t>
+            </a:r>
+            <a:endParaRPr lang="zh-CN" altLang="en-US" dirty="0"/>
           </a:p>
         </p:txBody>
       </p:sp>
